--- a/김수진5.pptx
+++ b/김수진5.pptx
@@ -5,10 +5,10 @@
     <p:sldMasterId id="2147483648" r:id="rId1"/>
   </p:sldMasterIdLst>
   <p:notesMasterIdLst>
-    <p:notesMasterId r:id="rId25"/>
+    <p:notesMasterId r:id="rId24"/>
   </p:notesMasterIdLst>
   <p:handoutMasterIdLst>
-    <p:handoutMasterId r:id="rId26"/>
+    <p:handoutMasterId r:id="rId25"/>
   </p:handoutMasterIdLst>
   <p:sldIdLst>
     <p:sldId id="256" r:id="rId2"/>
@@ -33,7 +33,6 @@
     <p:sldId id="320" r:id="rId21"/>
     <p:sldId id="321" r:id="rId22"/>
     <p:sldId id="325" r:id="rId23"/>
-    <p:sldId id="327" r:id="rId24"/>
   </p:sldIdLst>
   <p:sldSz cx="12192000" cy="6858000"/>
   <p:notesSz cx="6797675" cy="9926638"/>
@@ -163,7 +162,6 @@
             <p14:sldId id="320"/>
             <p14:sldId id="321"/>
             <p14:sldId id="325"/>
-            <p14:sldId id="327"/>
           </p14:sldIdLst>
         </p14:section>
       </p14:sectionLst>
@@ -388,7 +386,7 @@
           <a:p>
             <a:fld id="{98FBB39A-9110-43FD-8DF2-684D1523A0BC}" type="datetime1">
               <a:rPr lang="ko-KR" altLang="en-US" smtClean="0"/>
-              <a:t>2024-08-30</a:t>
+              <a:t>2024-09-02</a:t>
             </a:fld>
             <a:endParaRPr lang="ko-KR" altLang="en-US"/>
           </a:p>
@@ -10442,29 +10440,37 @@
           <a:p>
             <a:r>
               <a:rPr lang="en-US" altLang="ko-KR" sz="800"/>
-              <a:t>4)</a:t>
+              <a:t>4-1)</a:t>
             </a:r>
             <a:r>
               <a:rPr lang="ko-KR" altLang="en-US" sz="800"/>
-              <a:t>기존 파일 수정 삭제</a:t>
+              <a:t>기존 파일 </a:t>
+            </a:r>
+            <a:r>
+              <a:rPr lang="en-US" altLang="ko-KR" sz="800"/>
+              <a:t>DB</a:t>
+            </a:r>
+            <a:r>
+              <a:rPr lang="ko-KR" altLang="en-US" sz="800"/>
+              <a:t> 삭제</a:t>
             </a:r>
             <a:endParaRPr lang="en-US" altLang="ko-KR" sz="800"/>
           </a:p>
           <a:p>
             <a:r>
               <a:rPr lang="en-US" altLang="ko-KR" sz="800"/>
-              <a:t>5)</a:t>
+              <a:t>4-2)</a:t>
             </a:r>
             <a:r>
               <a:rPr lang="ko-KR" altLang="en-US" sz="800"/>
-              <a:t>기존 파일 저장소에서 수정</a:t>
+              <a:t>기존 파일 저장소에서 삭제</a:t>
             </a:r>
             <a:endParaRPr lang="en-US" altLang="ko-KR" sz="800"/>
           </a:p>
           <a:p>
             <a:r>
               <a:rPr lang="en-US" altLang="ko-KR" sz="800"/>
-              <a:t>6)</a:t>
+              <a:t>5-1)</a:t>
             </a:r>
             <a:r>
               <a:rPr lang="ko-KR" altLang="en-US" sz="800"/>
@@ -10475,7 +10481,7 @@
           <a:p>
             <a:r>
               <a:rPr lang="en-US" altLang="ko-KR" sz="800"/>
-              <a:t>7)</a:t>
+              <a:t>5-2)</a:t>
             </a:r>
             <a:r>
               <a:rPr lang="ko-KR" altLang="en-US" sz="800"/>
@@ -13196,8 +13202,8 @@
         </p:nvSpPr>
         <p:spPr>
           <a:xfrm>
-            <a:off x="10559034" y="4267492"/>
-            <a:ext cx="1269905" cy="424732"/>
+            <a:off x="10537300" y="4267493"/>
+            <a:ext cx="1318907" cy="424732"/>
           </a:xfrm>
           <a:prstGeom prst="rect">
             <a:avLst/>
@@ -13217,18 +13223,12 @@
             </a:pPr>
             <a:r>
               <a:rPr lang="en-US" altLang="ko-KR" sz="800">
+                <a:solidFill>
+                  <a:schemeClr val="tx1"/>
+                </a:solidFill>
                 <a:latin typeface="+mn-ea"/>
               </a:rPr>
-              <a:t>5</a:t>
-            </a:r>
-            <a:r>
-              <a:rPr lang="en-US" altLang="ko-KR" sz="800">
-                <a:solidFill>
-                  <a:schemeClr val="tx1"/>
-                </a:solidFill>
-                <a:latin typeface="+mn-ea"/>
-              </a:rPr>
-              <a:t>)</a:t>
+              <a:t>4-2)</a:t>
             </a:r>
             <a:r>
               <a:rPr lang="ko-KR" altLang="en-US" sz="800"/>
@@ -13819,7 +13819,7 @@
               <a:rPr lang="en-US" altLang="ko-KR" sz="800">
                 <a:latin typeface="+mn-ea"/>
               </a:rPr>
-              <a:t>4</a:t>
+              <a:t>4-1</a:t>
             </a:r>
             <a:r>
               <a:rPr lang="en-US" altLang="ko-KR" sz="800">
@@ -14169,8 +14169,8 @@
         </p:nvSpPr>
         <p:spPr>
           <a:xfrm>
-            <a:off x="10586735" y="3430751"/>
-            <a:ext cx="1269905" cy="203133"/>
+            <a:off x="10524701" y="3430825"/>
+            <a:ext cx="1364467" cy="203133"/>
           </a:xfrm>
           <a:prstGeom prst="rect">
             <a:avLst/>
@@ -14190,18 +14190,12 @@
             </a:pPr>
             <a:r>
               <a:rPr lang="en-US" altLang="ko-KR" sz="800">
+                <a:solidFill>
+                  <a:schemeClr val="tx1"/>
+                </a:solidFill>
                 <a:latin typeface="+mn-ea"/>
               </a:rPr>
-              <a:t>6</a:t>
-            </a:r>
-            <a:r>
-              <a:rPr lang="en-US" altLang="ko-KR" sz="800">
-                <a:solidFill>
-                  <a:schemeClr val="tx1"/>
-                </a:solidFill>
-                <a:latin typeface="+mn-ea"/>
-              </a:rPr>
-              <a:t>) </a:t>
+              <a:t>5-1) </a:t>
             </a:r>
             <a:r>
               <a:rPr lang="ko-KR" altLang="en-US" sz="800">
@@ -14475,7 +14469,7 @@
         <p:spPr>
           <a:xfrm>
             <a:off x="9096058" y="1657265"/>
-            <a:ext cx="1382584" cy="203133"/>
+            <a:ext cx="1382584" cy="313932"/>
           </a:xfrm>
           <a:prstGeom prst="rect">
             <a:avLst/>
@@ -14495,18 +14489,12 @@
             </a:pPr>
             <a:r>
               <a:rPr lang="en-US" altLang="ko-KR" sz="800">
+                <a:solidFill>
+                  <a:schemeClr val="tx1"/>
+                </a:solidFill>
                 <a:latin typeface="+mn-ea"/>
               </a:rPr>
-              <a:t>8</a:t>
-            </a:r>
-            <a:r>
-              <a:rPr lang="en-US" altLang="ko-KR" sz="800">
-                <a:solidFill>
-                  <a:schemeClr val="tx1"/>
-                </a:solidFill>
-                <a:latin typeface="+mn-ea"/>
-              </a:rPr>
-              <a:t>) </a:t>
+              <a:t>5-2) </a:t>
             </a:r>
             <a:r>
               <a:rPr lang="ko-KR" altLang="en-US" sz="800">
@@ -32736,10 +32724,10 @@
       </p:sp>
       <p:pic>
         <p:nvPicPr>
-          <p:cNvPr id="10" name="그림 9">
-            <a:extLst>
-              <a:ext uri="{FF2B5EF4-FFF2-40B4-BE49-F238E27FC236}">
-                <a16:creationId xmlns:a16="http://schemas.microsoft.com/office/drawing/2014/main" id="{459E3FC3-7B38-3ED2-5CB0-09C8C9E3C759}"/>
+          <p:cNvPr id="15" name="그림 14">
+            <a:extLst>
+              <a:ext uri="{FF2B5EF4-FFF2-40B4-BE49-F238E27FC236}">
+                <a16:creationId xmlns:a16="http://schemas.microsoft.com/office/drawing/2014/main" id="{EA025D33-E443-36A5-5991-325A1CDEE2CC}"/>
               </a:ext>
             </a:extLst>
           </p:cNvPr>
@@ -32756,8 +32744,8 @@
         </p:blipFill>
         <p:spPr>
           <a:xfrm>
-            <a:off x="4050160" y="1668810"/>
-            <a:ext cx="2561829" cy="1375298"/>
+            <a:off x="3676808" y="1449198"/>
+            <a:ext cx="3279297" cy="1259721"/>
           </a:xfrm>
           <a:prstGeom prst="rect">
             <a:avLst/>
@@ -34016,7 +34004,7 @@
           <p:nvPr>
             <p:extLst>
               <p:ext uri="{D42A27DB-BD31-4B8C-83A1-F6EECF244321}">
-                <p14:modId xmlns:p14="http://schemas.microsoft.com/office/powerpoint/2010/main" val="4078473072"/>
+                <p14:modId xmlns:p14="http://schemas.microsoft.com/office/powerpoint/2010/main" val="2995083950"/>
               </p:ext>
             </p:extLst>
           </p:nvPr>
@@ -34248,7 +34236,7 @@
                       </a:r>
                       <a:r>
                         <a:rPr lang="ko-KR" altLang="en-US" sz="1200"/>
-                        <a:t>신혼여행으로 인한 시간적 압박까지 겹쳐 기능 구현에만 급급한 복잡한 코드를 작성하게 되었습니다</a:t>
+                        <a:t>신혼여행으로 인한 시간적 부족까지 겹쳐 기능 구현에만 급급한 복잡한 코드를 작성함</a:t>
                       </a:r>
                       <a:r>
                         <a:rPr lang="en-US" altLang="ko-KR" sz="1200"/>
@@ -35074,10 +35062,10 @@
       </p:pic>
       <p:pic>
         <p:nvPicPr>
-          <p:cNvPr id="5" name="그림 4">
-            <a:extLst>
-              <a:ext uri="{FF2B5EF4-FFF2-40B4-BE49-F238E27FC236}">
-                <a16:creationId xmlns:a16="http://schemas.microsoft.com/office/drawing/2014/main" id="{D1F63769-93CD-B49D-BCC5-0B035E1EF737}"/>
+          <p:cNvPr id="6" name="그림 5">
+            <a:extLst>
+              <a:ext uri="{FF2B5EF4-FFF2-40B4-BE49-F238E27FC236}">
+                <a16:creationId xmlns:a16="http://schemas.microsoft.com/office/drawing/2014/main" id="{0B6964FB-7462-EED5-601F-8B9394CF36A4}"/>
               </a:ext>
             </a:extLst>
           </p:cNvPr>
@@ -35094,8 +35082,8 @@
         </p:blipFill>
         <p:spPr>
           <a:xfrm>
-            <a:off x="5735960" y="1836812"/>
-            <a:ext cx="3135947" cy="3597368"/>
+            <a:off x="5663952" y="1865047"/>
+            <a:ext cx="2980153" cy="3384376"/>
           </a:xfrm>
           <a:prstGeom prst="rect">
             <a:avLst/>
@@ -36793,98 +36781,6 @@
 </p:sld>
 </file>
 
-<file path=ppt/slides/slide23.xml><?xml version="1.0" encoding="utf-8"?>
-<p:sld xmlns:a="http://schemas.openxmlformats.org/drawingml/2006/main" xmlns:r="http://schemas.openxmlformats.org/officeDocument/2006/relationships" xmlns:p="http://schemas.openxmlformats.org/presentationml/2006/main">
-  <p:cSld>
-    <p:spTree>
-      <p:nvGrpSpPr>
-        <p:cNvPr id="1" name=""/>
-        <p:cNvGrpSpPr/>
-        <p:nvPr/>
-      </p:nvGrpSpPr>
-      <p:grpSpPr>
-        <a:xfrm>
-          <a:off x="0" y="0"/>
-          <a:ext cx="0" cy="0"/>
-          <a:chOff x="0" y="0"/>
-          <a:chExt cx="0" cy="0"/>
-        </a:xfrm>
-      </p:grpSpPr>
-      <p:sp>
-        <p:nvSpPr>
-          <p:cNvPr id="2" name="제목 1">
-            <a:extLst>
-              <a:ext uri="{FF2B5EF4-FFF2-40B4-BE49-F238E27FC236}">
-                <a16:creationId xmlns:a16="http://schemas.microsoft.com/office/drawing/2014/main" id="{7959323A-BA29-4853-97C4-82E74244E3A8}"/>
-              </a:ext>
-            </a:extLst>
-          </p:cNvPr>
-          <p:cNvSpPr>
-            <a:spLocks noGrp="1"/>
-          </p:cNvSpPr>
-          <p:nvPr>
-            <p:ph type="title"/>
-          </p:nvPr>
-        </p:nvSpPr>
-        <p:spPr/>
-        <p:txBody>
-          <a:bodyPr/>
-          <a:lstStyle/>
-          <a:p>
-            <a:r>
-              <a:rPr lang="en-US" altLang="ko-KR"/>
-              <a:t>DB </a:t>
-            </a:r>
-            <a:r>
-              <a:rPr lang="ko-KR" altLang="en-US"/>
-              <a:t>설계</a:t>
-            </a:r>
-          </a:p>
-        </p:txBody>
-      </p:sp>
-      <p:pic>
-        <p:nvPicPr>
-          <p:cNvPr id="9" name="그림 8">
-            <a:extLst>
-              <a:ext uri="{FF2B5EF4-FFF2-40B4-BE49-F238E27FC236}">
-                <a16:creationId xmlns:a16="http://schemas.microsoft.com/office/drawing/2014/main" id="{9E9BDD96-BF4F-A141-E822-4048A5CA159A}"/>
-              </a:ext>
-            </a:extLst>
-          </p:cNvPr>
-          <p:cNvPicPr>
-            <a:picLocks noChangeAspect="1"/>
-          </p:cNvPicPr>
-          <p:nvPr/>
-        </p:nvPicPr>
-        <p:blipFill>
-          <a:blip r:embed="rId2"/>
-          <a:stretch>
-            <a:fillRect/>
-          </a:stretch>
-        </p:blipFill>
-        <p:spPr>
-          <a:xfrm>
-            <a:off x="423071" y="1209365"/>
-            <a:ext cx="11345858" cy="4439270"/>
-          </a:xfrm>
-          <a:prstGeom prst="rect">
-            <a:avLst/>
-          </a:prstGeom>
-        </p:spPr>
-      </p:pic>
-    </p:spTree>
-    <p:extLst>
-      <p:ext uri="{BB962C8B-B14F-4D97-AF65-F5344CB8AC3E}">
-        <p14:creationId xmlns:p14="http://schemas.microsoft.com/office/powerpoint/2010/main" val="2799978404"/>
-      </p:ext>
-    </p:extLst>
-  </p:cSld>
-  <p:clrMapOvr>
-    <a:masterClrMapping/>
-  </p:clrMapOvr>
-</p:sld>
-</file>
-
 <file path=ppt/slides/slide3.xml><?xml version="1.0" encoding="utf-8"?>
 <p:sld xmlns:a="http://schemas.openxmlformats.org/drawingml/2006/main" xmlns:r="http://schemas.openxmlformats.org/officeDocument/2006/relationships" xmlns:p="http://schemas.openxmlformats.org/presentationml/2006/main">
   <p:cSld>
@@ -40077,6 +39973,100 @@
           </a:fontRef>
         </p:style>
       </p:cxnSp>
+      <p:sp>
+        <p:nvSpPr>
+          <p:cNvPr id="3" name="직사각형 2">
+            <a:extLst>
+              <a:ext uri="{FF2B5EF4-FFF2-40B4-BE49-F238E27FC236}">
+                <a16:creationId xmlns:a16="http://schemas.microsoft.com/office/drawing/2014/main" id="{1DFCFE1A-7AEF-9F21-9ADF-36725CE984A7}"/>
+              </a:ext>
+            </a:extLst>
+          </p:cNvPr>
+          <p:cNvSpPr/>
+          <p:nvPr/>
+        </p:nvSpPr>
+        <p:spPr>
+          <a:xfrm>
+            <a:off x="5558276" y="3284902"/>
+            <a:ext cx="2688266" cy="2356727"/>
+          </a:xfrm>
+          <a:prstGeom prst="rect">
+            <a:avLst/>
+          </a:prstGeom>
+          <a:noFill/>
+          <a:ln w="12700">
+            <a:solidFill>
+              <a:schemeClr val="accent5">
+                <a:lumMod val="40000"/>
+                <a:lumOff val="60000"/>
+              </a:schemeClr>
+            </a:solidFill>
+          </a:ln>
+        </p:spPr>
+        <p:style>
+          <a:lnRef idx="1">
+            <a:schemeClr val="accent1"/>
+          </a:lnRef>
+          <a:fillRef idx="0">
+            <a:schemeClr val="accent1"/>
+          </a:fillRef>
+          <a:effectRef idx="0">
+            <a:schemeClr val="accent1"/>
+          </a:effectRef>
+          <a:fontRef idx="minor">
+            <a:schemeClr val="tx1"/>
+          </a:fontRef>
+        </p:style>
+        <p:txBody>
+          <a:bodyPr rtlCol="0" anchor="ctr"/>
+          <a:lstStyle/>
+          <a:p>
+            <a:pPr algn="ctr"/>
+            <a:endParaRPr lang="ko-KR" altLang="en-US"/>
+          </a:p>
+        </p:txBody>
+      </p:sp>
+      <p:sp>
+        <p:nvSpPr>
+          <p:cNvPr id="4" name="TextBox 3">
+            <a:extLst>
+              <a:ext uri="{FF2B5EF4-FFF2-40B4-BE49-F238E27FC236}">
+                <a16:creationId xmlns:a16="http://schemas.microsoft.com/office/drawing/2014/main" id="{DE09A339-F4EA-D266-E739-4BA25372D682}"/>
+              </a:ext>
+            </a:extLst>
+          </p:cNvPr>
+          <p:cNvSpPr txBox="1"/>
+          <p:nvPr/>
+        </p:nvSpPr>
+        <p:spPr>
+          <a:xfrm>
+            <a:off x="5551894" y="3292030"/>
+            <a:ext cx="992579" cy="415498"/>
+          </a:xfrm>
+          <a:prstGeom prst="rect">
+            <a:avLst/>
+          </a:prstGeom>
+          <a:noFill/>
+        </p:spPr>
+        <p:txBody>
+          <a:bodyPr wrap="none" rtlCol="0">
+            <a:spAutoFit/>
+          </a:bodyPr>
+          <a:lstStyle/>
+          <a:p>
+            <a:r>
+              <a:rPr lang="en-US" altLang="ko-KR" sz="1050"/>
+              <a:t>preHandle</a:t>
+            </a:r>
+          </a:p>
+          <a:p>
+            <a:r>
+              <a:rPr lang="ko-KR" altLang="en-US" sz="1050"/>
+              <a:t>세션정보확인</a:t>
+            </a:r>
+          </a:p>
+        </p:txBody>
+      </p:sp>
     </p:spTree>
     <p:extLst>
       <p:ext uri="{BB962C8B-B14F-4D97-AF65-F5344CB8AC3E}">
